--- a/QS_Training_GIT_IDE_Tool_SonVQ.pptx
+++ b/QS_Training_GIT_IDE_Tool_SonVQ.pptx
@@ -5,26 +5,28 @@
     <p:sldMasterId id="2147485495" r:id="rId1"/>
   </p:sldMasterIdLst>
   <p:notesMasterIdLst>
-    <p:notesMasterId r:id="rId16"/>
+    <p:notesMasterId r:id="rId18"/>
   </p:notesMasterIdLst>
   <p:handoutMasterIdLst>
-    <p:handoutMasterId r:id="rId17"/>
+    <p:handoutMasterId r:id="rId19"/>
   </p:handoutMasterIdLst>
   <p:sldIdLst>
     <p:sldId id="256" r:id="rId2"/>
     <p:sldId id="397" r:id="rId3"/>
-    <p:sldId id="416" r:id="rId4"/>
-    <p:sldId id="398" r:id="rId5"/>
-    <p:sldId id="417" r:id="rId6"/>
-    <p:sldId id="418" r:id="rId7"/>
-    <p:sldId id="399" r:id="rId8"/>
-    <p:sldId id="419" r:id="rId9"/>
-    <p:sldId id="421" r:id="rId10"/>
-    <p:sldId id="420" r:id="rId11"/>
-    <p:sldId id="422" r:id="rId12"/>
-    <p:sldId id="423" r:id="rId13"/>
-    <p:sldId id="367" r:id="rId14"/>
-    <p:sldId id="333" r:id="rId15"/>
+    <p:sldId id="424" r:id="rId4"/>
+    <p:sldId id="425" r:id="rId5"/>
+    <p:sldId id="416" r:id="rId6"/>
+    <p:sldId id="398" r:id="rId7"/>
+    <p:sldId id="417" r:id="rId8"/>
+    <p:sldId id="418" r:id="rId9"/>
+    <p:sldId id="399" r:id="rId10"/>
+    <p:sldId id="419" r:id="rId11"/>
+    <p:sldId id="421" r:id="rId12"/>
+    <p:sldId id="420" r:id="rId13"/>
+    <p:sldId id="422" r:id="rId14"/>
+    <p:sldId id="423" r:id="rId15"/>
+    <p:sldId id="367" r:id="rId16"/>
+    <p:sldId id="333" r:id="rId17"/>
   </p:sldIdLst>
   <p:sldSz cx="9144000" cy="6858000" type="screen4x3"/>
   <p:notesSz cx="6858000" cy="9144000"/>
@@ -125,7 +127,7 @@
   </p:defaultTextStyle>
   <p:extLst>
     <p:ext uri="{EFAFB233-063F-42B5-8137-9DF3F51BA10A}">
-      <p15:sldGuideLst xmlns="" xmlns:p15="http://schemas.microsoft.com/office/powerpoint/2012/main">
+      <p15:sldGuideLst xmlns:p15="http://schemas.microsoft.com/office/powerpoint/2012/main" xmlns="">
         <p15:guide id="1" orient="horz" pos="2160">
           <p15:clr>
             <a:srgbClr val="A4A3A4"/>
@@ -225,7 +227,7 @@
             <a:fld id="{AEC239D8-9946-CA43-8D24-8F75F9EC746F}" type="datetimeFigureOut">
               <a:rPr lang="en-US" smtClean="0"/>
               <a:pPr/>
-              <a:t>1/13/2016</a:t>
+              <a:t>1/18/2016</a:t>
             </a:fld>
             <a:endParaRPr lang="en-US"/>
           </a:p>
@@ -301,7 +303,7 @@
     </p:spTree>
     <p:extLst>
       <p:ext uri="{BB962C8B-B14F-4D97-AF65-F5344CB8AC3E}">
-        <p14:creationId xmlns="" xmlns:p14="http://schemas.microsoft.com/office/powerpoint/2010/main" val="3557071831"/>
+        <p14:creationId xmlns:p14="http://schemas.microsoft.com/office/powerpoint/2010/main" xmlns="" val="3557071831"/>
       </p:ext>
     </p:extLst>
   </p:cSld>
@@ -393,7 +395,7 @@
             <a:fld id="{30D3C4F2-547F-4EAC-A4FB-1991884D518B}" type="datetimeFigureOut">
               <a:rPr lang="en-US" smtClean="0"/>
               <a:pPr/>
-              <a:t>1/13/2016</a:t>
+              <a:t>1/18/2016</a:t>
             </a:fld>
             <a:endParaRPr lang="en-US"/>
           </a:p>
@@ -564,7 +566,7 @@
     </p:spTree>
     <p:extLst>
       <p:ext uri="{BB962C8B-B14F-4D97-AF65-F5344CB8AC3E}">
-        <p14:creationId xmlns="" xmlns:p14="http://schemas.microsoft.com/office/powerpoint/2010/main" val="967518016"/>
+        <p14:creationId xmlns:p14="http://schemas.microsoft.com/office/powerpoint/2010/main" xmlns="" val="967518016"/>
       </p:ext>
     </p:extLst>
   </p:cSld>
@@ -740,7 +742,7 @@
     </p:spTree>
     <p:extLst>
       <p:ext uri="{BB962C8B-B14F-4D97-AF65-F5344CB8AC3E}">
-        <p14:creationId xmlns="" xmlns:p14="http://schemas.microsoft.com/office/powerpoint/2010/main" val="1083453538"/>
+        <p14:creationId xmlns:p14="http://schemas.microsoft.com/office/powerpoint/2010/main" xmlns="" val="1083453538"/>
       </p:ext>
     </p:extLst>
   </p:cSld>
@@ -825,7 +827,7 @@
     </p:spTree>
     <p:extLst>
       <p:ext uri="{BB962C8B-B14F-4D97-AF65-F5344CB8AC3E}">
-        <p14:creationId xmlns="" xmlns:p14="http://schemas.microsoft.com/office/powerpoint/2010/main" val="3097372011"/>
+        <p14:creationId xmlns:p14="http://schemas.microsoft.com/office/powerpoint/2010/main" xmlns="" val="3097372011"/>
       </p:ext>
     </p:extLst>
   </p:cSld>
@@ -910,7 +912,7 @@
     </p:spTree>
     <p:extLst>
       <p:ext uri="{BB962C8B-B14F-4D97-AF65-F5344CB8AC3E}">
-        <p14:creationId xmlns="" xmlns:p14="http://schemas.microsoft.com/office/powerpoint/2010/main" val="3097372011"/>
+        <p14:creationId xmlns:p14="http://schemas.microsoft.com/office/powerpoint/2010/main" xmlns="" val="3097372011"/>
       </p:ext>
     </p:extLst>
   </p:cSld>
@@ -995,7 +997,177 @@
     </p:spTree>
     <p:extLst>
       <p:ext uri="{BB962C8B-B14F-4D97-AF65-F5344CB8AC3E}">
-        <p14:creationId xmlns="" xmlns:p14="http://schemas.microsoft.com/office/powerpoint/2010/main" val="3097372011"/>
+        <p14:creationId xmlns:p14="http://schemas.microsoft.com/office/powerpoint/2010/main" xmlns="" val="3097372011"/>
+      </p:ext>
+    </p:extLst>
+  </p:cSld>
+  <p:clrMapOvr>
+    <a:masterClrMapping/>
+  </p:clrMapOvr>
+</p:notes>
+</file>
+
+<file path=ppt/notesSlides/notesSlide13.xml><?xml version="1.0" encoding="utf-8"?>
+<p:notes xmlns:a="http://schemas.openxmlformats.org/drawingml/2006/main" xmlns:r="http://schemas.openxmlformats.org/officeDocument/2006/relationships" xmlns:p="http://schemas.openxmlformats.org/presentationml/2006/main">
+  <p:cSld>
+    <p:spTree>
+      <p:nvGrpSpPr>
+        <p:cNvPr id="1" name=""/>
+        <p:cNvGrpSpPr/>
+        <p:nvPr/>
+      </p:nvGrpSpPr>
+      <p:grpSpPr>
+        <a:xfrm>
+          <a:off x="0" y="0"/>
+          <a:ext cx="0" cy="0"/>
+          <a:chOff x="0" y="0"/>
+          <a:chExt cx="0" cy="0"/>
+        </a:xfrm>
+      </p:grpSpPr>
+      <p:sp>
+        <p:nvSpPr>
+          <p:cNvPr id="2" name="Slide Image Placeholder 1"/>
+          <p:cNvSpPr>
+            <a:spLocks noGrp="1" noRot="1" noChangeAspect="1"/>
+          </p:cNvSpPr>
+          <p:nvPr>
+            <p:ph type="sldImg"/>
+          </p:nvPr>
+        </p:nvSpPr>
+        <p:spPr/>
+      </p:sp>
+      <p:sp>
+        <p:nvSpPr>
+          <p:cNvPr id="3" name="Notes Placeholder 2"/>
+          <p:cNvSpPr>
+            <a:spLocks noGrp="1"/>
+          </p:cNvSpPr>
+          <p:nvPr>
+            <p:ph type="body" idx="1"/>
+          </p:nvPr>
+        </p:nvSpPr>
+        <p:spPr/>
+        <p:txBody>
+          <a:bodyPr/>
+          <a:lstStyle/>
+          <a:p>
+            <a:endParaRPr lang="en-US" dirty="0"/>
+          </a:p>
+        </p:txBody>
+      </p:sp>
+      <p:sp>
+        <p:nvSpPr>
+          <p:cNvPr id="4" name="Slide Number Placeholder 3"/>
+          <p:cNvSpPr>
+            <a:spLocks noGrp="1"/>
+          </p:cNvSpPr>
+          <p:nvPr>
+            <p:ph type="sldNum" sz="quarter" idx="10"/>
+          </p:nvPr>
+        </p:nvSpPr>
+        <p:spPr/>
+        <p:txBody>
+          <a:bodyPr/>
+          <a:lstStyle/>
+          <a:p>
+            <a:fld id="{35845946-0CF3-4C0F-AF5C-F563F65A0652}" type="slidenum">
+              <a:rPr lang="en-US" smtClean="0"/>
+              <a:pPr/>
+              <a:t>13</a:t>
+            </a:fld>
+            <a:endParaRPr lang="en-US"/>
+          </a:p>
+        </p:txBody>
+      </p:sp>
+    </p:spTree>
+    <p:extLst>
+      <p:ext uri="{BB962C8B-B14F-4D97-AF65-F5344CB8AC3E}">
+        <p14:creationId xmlns:p14="http://schemas.microsoft.com/office/powerpoint/2010/main" xmlns="" val="3097372011"/>
+      </p:ext>
+    </p:extLst>
+  </p:cSld>
+  <p:clrMapOvr>
+    <a:masterClrMapping/>
+  </p:clrMapOvr>
+</p:notes>
+</file>
+
+<file path=ppt/notesSlides/notesSlide14.xml><?xml version="1.0" encoding="utf-8"?>
+<p:notes xmlns:a="http://schemas.openxmlformats.org/drawingml/2006/main" xmlns:r="http://schemas.openxmlformats.org/officeDocument/2006/relationships" xmlns:p="http://schemas.openxmlformats.org/presentationml/2006/main">
+  <p:cSld>
+    <p:spTree>
+      <p:nvGrpSpPr>
+        <p:cNvPr id="1" name=""/>
+        <p:cNvGrpSpPr/>
+        <p:nvPr/>
+      </p:nvGrpSpPr>
+      <p:grpSpPr>
+        <a:xfrm>
+          <a:off x="0" y="0"/>
+          <a:ext cx="0" cy="0"/>
+          <a:chOff x="0" y="0"/>
+          <a:chExt cx="0" cy="0"/>
+        </a:xfrm>
+      </p:grpSpPr>
+      <p:sp>
+        <p:nvSpPr>
+          <p:cNvPr id="2" name="Slide Image Placeholder 1"/>
+          <p:cNvSpPr>
+            <a:spLocks noGrp="1" noRot="1" noChangeAspect="1"/>
+          </p:cNvSpPr>
+          <p:nvPr>
+            <p:ph type="sldImg"/>
+          </p:nvPr>
+        </p:nvSpPr>
+        <p:spPr/>
+      </p:sp>
+      <p:sp>
+        <p:nvSpPr>
+          <p:cNvPr id="3" name="Notes Placeholder 2"/>
+          <p:cNvSpPr>
+            <a:spLocks noGrp="1"/>
+          </p:cNvSpPr>
+          <p:nvPr>
+            <p:ph type="body" idx="1"/>
+          </p:nvPr>
+        </p:nvSpPr>
+        <p:spPr/>
+        <p:txBody>
+          <a:bodyPr/>
+          <a:lstStyle/>
+          <a:p>
+            <a:endParaRPr lang="en-US" dirty="0"/>
+          </a:p>
+        </p:txBody>
+      </p:sp>
+      <p:sp>
+        <p:nvSpPr>
+          <p:cNvPr id="4" name="Slide Number Placeholder 3"/>
+          <p:cNvSpPr>
+            <a:spLocks noGrp="1"/>
+          </p:cNvSpPr>
+          <p:nvPr>
+            <p:ph type="sldNum" sz="quarter" idx="10"/>
+          </p:nvPr>
+        </p:nvSpPr>
+        <p:spPr/>
+        <p:txBody>
+          <a:bodyPr/>
+          <a:lstStyle/>
+          <a:p>
+            <a:fld id="{35845946-0CF3-4C0F-AF5C-F563F65A0652}" type="slidenum">
+              <a:rPr lang="en-US" smtClean="0"/>
+              <a:pPr/>
+              <a:t>14</a:t>
+            </a:fld>
+            <a:endParaRPr lang="en-US"/>
+          </a:p>
+        </p:txBody>
+      </p:sp>
+    </p:spTree>
+    <p:extLst>
+      <p:ext uri="{BB962C8B-B14F-4D97-AF65-F5344CB8AC3E}">
+        <p14:creationId xmlns:p14="http://schemas.microsoft.com/office/powerpoint/2010/main" xmlns="" val="3097372011"/>
       </p:ext>
     </p:extLst>
   </p:cSld>
@@ -1080,7 +1252,7 @@
     </p:spTree>
     <p:extLst>
       <p:ext uri="{BB962C8B-B14F-4D97-AF65-F5344CB8AC3E}">
-        <p14:creationId xmlns="" xmlns:p14="http://schemas.microsoft.com/office/powerpoint/2010/main" val="3097372011"/>
+        <p14:creationId xmlns:p14="http://schemas.microsoft.com/office/powerpoint/2010/main" xmlns="" val="3097372011"/>
       </p:ext>
     </p:extLst>
   </p:cSld>
@@ -1165,7 +1337,7 @@
     </p:spTree>
     <p:extLst>
       <p:ext uri="{BB962C8B-B14F-4D97-AF65-F5344CB8AC3E}">
-        <p14:creationId xmlns="" xmlns:p14="http://schemas.microsoft.com/office/powerpoint/2010/main" val="3097372011"/>
+        <p14:creationId xmlns:p14="http://schemas.microsoft.com/office/powerpoint/2010/main" xmlns="" val="3097372011"/>
       </p:ext>
     </p:extLst>
   </p:cSld>
@@ -1250,7 +1422,7 @@
     </p:spTree>
     <p:extLst>
       <p:ext uri="{BB962C8B-B14F-4D97-AF65-F5344CB8AC3E}">
-        <p14:creationId xmlns="" xmlns:p14="http://schemas.microsoft.com/office/powerpoint/2010/main" val="3097372011"/>
+        <p14:creationId xmlns:p14="http://schemas.microsoft.com/office/powerpoint/2010/main" xmlns="" val="3097372011"/>
       </p:ext>
     </p:extLst>
   </p:cSld>
@@ -1335,7 +1507,7 @@
     </p:spTree>
     <p:extLst>
       <p:ext uri="{BB962C8B-B14F-4D97-AF65-F5344CB8AC3E}">
-        <p14:creationId xmlns="" xmlns:p14="http://schemas.microsoft.com/office/powerpoint/2010/main" val="3097372011"/>
+        <p14:creationId xmlns:p14="http://schemas.microsoft.com/office/powerpoint/2010/main" xmlns="" val="3097372011"/>
       </p:ext>
     </p:extLst>
   </p:cSld>
@@ -1420,7 +1592,7 @@
     </p:spTree>
     <p:extLst>
       <p:ext uri="{BB962C8B-B14F-4D97-AF65-F5344CB8AC3E}">
-        <p14:creationId xmlns="" xmlns:p14="http://schemas.microsoft.com/office/powerpoint/2010/main" val="3097372011"/>
+        <p14:creationId xmlns:p14="http://schemas.microsoft.com/office/powerpoint/2010/main" xmlns="" val="3097372011"/>
       </p:ext>
     </p:extLst>
   </p:cSld>
@@ -1505,7 +1677,7 @@
     </p:spTree>
     <p:extLst>
       <p:ext uri="{BB962C8B-B14F-4D97-AF65-F5344CB8AC3E}">
-        <p14:creationId xmlns="" xmlns:p14="http://schemas.microsoft.com/office/powerpoint/2010/main" val="3097372011"/>
+        <p14:creationId xmlns:p14="http://schemas.microsoft.com/office/powerpoint/2010/main" xmlns="" val="3097372011"/>
       </p:ext>
     </p:extLst>
   </p:cSld>
@@ -1590,7 +1762,7 @@
     </p:spTree>
     <p:extLst>
       <p:ext uri="{BB962C8B-B14F-4D97-AF65-F5344CB8AC3E}">
-        <p14:creationId xmlns="" xmlns:p14="http://schemas.microsoft.com/office/powerpoint/2010/main" val="3097372011"/>
+        <p14:creationId xmlns:p14="http://schemas.microsoft.com/office/powerpoint/2010/main" xmlns="" val="3097372011"/>
       </p:ext>
     </p:extLst>
   </p:cSld>
@@ -1675,7 +1847,7 @@
     </p:spTree>
     <p:extLst>
       <p:ext uri="{BB962C8B-B14F-4D97-AF65-F5344CB8AC3E}">
-        <p14:creationId xmlns="" xmlns:p14="http://schemas.microsoft.com/office/powerpoint/2010/main" val="3097372011"/>
+        <p14:creationId xmlns:p14="http://schemas.microsoft.com/office/powerpoint/2010/main" xmlns="" val="3097372011"/>
       </p:ext>
     </p:extLst>
   </p:cSld>
@@ -1871,7 +2043,7 @@
             <a:fld id="{8695E4D3-92F1-F74E-BDA8-3EA24612ADAC}" type="datetime2">
               <a:rPr lang="en-US" smtClean="0"/>
               <a:pPr/>
-              <a:t>Wednesday, January 13, 2016</a:t>
+              <a:t>Monday, January 18, 2016</a:t>
             </a:fld>
             <a:endParaRPr lang="en-US"/>
           </a:p>
@@ -1938,7 +2110,7 @@
     <a:masterClrMapping/>
   </p:clrMapOvr>
   <mc:AlternateContent xmlns:mc="http://schemas.openxmlformats.org/markup-compatibility/2006">
-    <mc:Choice xmlns="" xmlns:p14="http://schemas.microsoft.com/office/powerpoint/2010/main" Requires="p14">
+    <mc:Choice xmlns:p14="http://schemas.microsoft.com/office/powerpoint/2010/main" xmlns="" Requires="p14">
       <p:transition p14:dur="100">
         <p:cut/>
       </p:transition>
@@ -2066,7 +2238,7 @@
             <a:fld id="{9358C7B7-FC72-9D41-BEE1-BB86D4F232B4}" type="datetime2">
               <a:rPr lang="en-US" smtClean="0"/>
               <a:pPr/>
-              <a:t>Wednesday, January 13, 2016</a:t>
+              <a:t>Monday, January 18, 2016</a:t>
             </a:fld>
             <a:endParaRPr lang="en-US"/>
           </a:p>
@@ -2133,7 +2305,7 @@
     <a:masterClrMapping/>
   </p:clrMapOvr>
   <mc:AlternateContent xmlns:mc="http://schemas.openxmlformats.org/markup-compatibility/2006">
-    <mc:Choice xmlns="" xmlns:p14="http://schemas.microsoft.com/office/powerpoint/2010/main" Requires="p14">
+    <mc:Choice xmlns:p14="http://schemas.microsoft.com/office/powerpoint/2010/main" xmlns="" Requires="p14">
       <p:transition p14:dur="100">
         <p:cut/>
       </p:transition>
@@ -2271,7 +2443,7 @@
             <a:fld id="{556E821B-96E8-764D-BF74-9827494534E4}" type="datetime2">
               <a:rPr lang="en-US" smtClean="0"/>
               <a:pPr/>
-              <a:t>Wednesday, January 13, 2016</a:t>
+              <a:t>Monday, January 18, 2016</a:t>
             </a:fld>
             <a:endParaRPr lang="en-US"/>
           </a:p>
@@ -2338,7 +2510,7 @@
     <a:masterClrMapping/>
   </p:clrMapOvr>
   <mc:AlternateContent xmlns:mc="http://schemas.openxmlformats.org/markup-compatibility/2006">
-    <mc:Choice xmlns="" xmlns:p14="http://schemas.microsoft.com/office/powerpoint/2010/main" Requires="p14">
+    <mc:Choice xmlns:p14="http://schemas.microsoft.com/office/powerpoint/2010/main" xmlns="" Requires="p14">
       <p:transition p14:dur="100">
         <p:cut/>
       </p:transition>
@@ -2476,7 +2648,7 @@
             <a:fld id="{D8D89BD2-8F64-7D49-B0EC-A10964D418B9}" type="datetime2">
               <a:rPr lang="en-US" smtClean="0"/>
               <a:pPr/>
-              <a:t>Wednesday, January 13, 2016</a:t>
+              <a:t>Monday, January 18, 2016</a:t>
             </a:fld>
             <a:endParaRPr lang="en-US"/>
           </a:p>
@@ -2543,7 +2715,7 @@
     <a:masterClrMapping/>
   </p:clrMapOvr>
   <mc:AlternateContent xmlns:mc="http://schemas.openxmlformats.org/markup-compatibility/2006">
-    <mc:Choice xmlns="" xmlns:p14="http://schemas.microsoft.com/office/powerpoint/2010/main" Requires="p14">
+    <mc:Choice xmlns:p14="http://schemas.microsoft.com/office/powerpoint/2010/main" xmlns="" Requires="p14">
       <p:transition p14:dur="100">
         <p:cut/>
       </p:transition>
@@ -2747,7 +2919,7 @@
             <a:fld id="{5166F277-A6C8-D74E-AD9A-DEDC5E2BD837}" type="datetime2">
               <a:rPr lang="en-US" smtClean="0"/>
               <a:pPr/>
-              <a:t>Wednesday, January 13, 2016</a:t>
+              <a:t>Monday, January 18, 2016</a:t>
             </a:fld>
             <a:endParaRPr lang="en-US"/>
           </a:p>
@@ -2814,7 +2986,7 @@
     <a:masterClrMapping/>
   </p:clrMapOvr>
   <mc:AlternateContent xmlns:mc="http://schemas.openxmlformats.org/markup-compatibility/2006">
-    <mc:Choice xmlns="" xmlns:p14="http://schemas.microsoft.com/office/powerpoint/2010/main" Requires="p14">
+    <mc:Choice xmlns:p14="http://schemas.microsoft.com/office/powerpoint/2010/main" xmlns="" Requires="p14">
       <p:transition p14:dur="100">
         <p:cut/>
       </p:transition>
@@ -3065,7 +3237,7 @@
             <a:fld id="{68B6B04E-5C92-7445-BA45-A4E3769C0C5A}" type="datetime2">
               <a:rPr lang="en-US" smtClean="0"/>
               <a:pPr/>
-              <a:t>Wednesday, January 13, 2016</a:t>
+              <a:t>Monday, January 18, 2016</a:t>
             </a:fld>
             <a:endParaRPr lang="en-US"/>
           </a:p>
@@ -3132,7 +3304,7 @@
     <a:masterClrMapping/>
   </p:clrMapOvr>
   <mc:AlternateContent xmlns:mc="http://schemas.openxmlformats.org/markup-compatibility/2006">
-    <mc:Choice xmlns="" xmlns:p14="http://schemas.microsoft.com/office/powerpoint/2010/main" Requires="p14">
+    <mc:Choice xmlns:p14="http://schemas.microsoft.com/office/powerpoint/2010/main" xmlns="" Requires="p14">
       <p:transition p14:dur="100">
         <p:cut/>
       </p:transition>
@@ -3517,7 +3689,7 @@
             <a:fld id="{A48670BD-E6C9-264B-B690-760DD144ACC6}" type="datetime2">
               <a:rPr lang="en-US" smtClean="0"/>
               <a:pPr/>
-              <a:t>Wednesday, January 13, 2016</a:t>
+              <a:t>Monday, January 18, 2016</a:t>
             </a:fld>
             <a:endParaRPr lang="en-US"/>
           </a:p>
@@ -3584,7 +3756,7 @@
     <a:masterClrMapping/>
   </p:clrMapOvr>
   <mc:AlternateContent xmlns:mc="http://schemas.openxmlformats.org/markup-compatibility/2006">
-    <mc:Choice xmlns="" xmlns:p14="http://schemas.microsoft.com/office/powerpoint/2010/main" Requires="p14">
+    <mc:Choice xmlns:p14="http://schemas.microsoft.com/office/powerpoint/2010/main" xmlns="" Requires="p14">
       <p:transition p14:dur="100">
         <p:cut/>
       </p:transition>
@@ -3665,7 +3837,7 @@
             <a:fld id="{30675A36-41C1-3640-8C6B-1BC6AFC60484}" type="datetime2">
               <a:rPr lang="en-US" smtClean="0"/>
               <a:pPr/>
-              <a:t>Wednesday, January 13, 2016</a:t>
+              <a:t>Monday, January 18, 2016</a:t>
             </a:fld>
             <a:endParaRPr lang="en-US"/>
           </a:p>
@@ -3732,7 +3904,7 @@
     <a:masterClrMapping/>
   </p:clrMapOvr>
   <mc:AlternateContent xmlns:mc="http://schemas.openxmlformats.org/markup-compatibility/2006">
-    <mc:Choice xmlns="" xmlns:p14="http://schemas.microsoft.com/office/powerpoint/2010/main" Requires="p14">
+    <mc:Choice xmlns:p14="http://schemas.microsoft.com/office/powerpoint/2010/main" xmlns="" Requires="p14">
       <p:transition p14:dur="100">
         <p:cut/>
       </p:transition>
@@ -3785,7 +3957,7 @@
             <a:fld id="{937F365B-D897-1947-952A-6C45D93ACDC1}" type="datetime2">
               <a:rPr lang="en-US" smtClean="0"/>
               <a:pPr/>
-              <a:t>Wednesday, January 13, 2016</a:t>
+              <a:t>Monday, January 18, 2016</a:t>
             </a:fld>
             <a:endParaRPr lang="en-US"/>
           </a:p>
@@ -3852,7 +4024,7 @@
     <a:masterClrMapping/>
   </p:clrMapOvr>
   <mc:AlternateContent xmlns:mc="http://schemas.openxmlformats.org/markup-compatibility/2006">
-    <mc:Choice xmlns="" xmlns:p14="http://schemas.microsoft.com/office/powerpoint/2010/main" Requires="p14">
+    <mc:Choice xmlns:p14="http://schemas.microsoft.com/office/powerpoint/2010/main" xmlns="" Requires="p14">
       <p:transition p14:dur="100">
         <p:cut/>
       </p:transition>
@@ -4087,7 +4259,7 @@
             <a:fld id="{2BEF7792-C4C4-FC44-A7F5-725EC2CD30B1}" type="datetime2">
               <a:rPr lang="en-US" smtClean="0"/>
               <a:pPr/>
-              <a:t>Wednesday, January 13, 2016</a:t>
+              <a:t>Monday, January 18, 2016</a:t>
             </a:fld>
             <a:endParaRPr lang="en-US"/>
           </a:p>
@@ -4154,7 +4326,7 @@
     <a:masterClrMapping/>
   </p:clrMapOvr>
   <mc:AlternateContent xmlns:mc="http://schemas.openxmlformats.org/markup-compatibility/2006">
-    <mc:Choice xmlns="" xmlns:p14="http://schemas.microsoft.com/office/powerpoint/2010/main" Requires="p14">
+    <mc:Choice xmlns:p14="http://schemas.microsoft.com/office/powerpoint/2010/main" xmlns="" Requires="p14">
       <p:transition p14:dur="100">
         <p:cut/>
       </p:transition>
@@ -4372,7 +4544,7 @@
             <a:fld id="{EC13829E-7EE3-3944-BE84-808F00A9FAF3}" type="datetime2">
               <a:rPr lang="en-US" smtClean="0"/>
               <a:pPr/>
-              <a:t>Wednesday, January 13, 2016</a:t>
+              <a:t>Monday, January 18, 2016</a:t>
             </a:fld>
             <a:endParaRPr lang="en-US"/>
           </a:p>
@@ -4439,7 +4611,7 @@
     <a:masterClrMapping/>
   </p:clrMapOvr>
   <mc:AlternateContent xmlns:mc="http://schemas.openxmlformats.org/markup-compatibility/2006">
-    <mc:Choice xmlns="" xmlns:p14="http://schemas.microsoft.com/office/powerpoint/2010/main" Requires="p14">
+    <mc:Choice xmlns:p14="http://schemas.microsoft.com/office/powerpoint/2010/main" xmlns="" Requires="p14">
       <p:transition p14:dur="100">
         <p:cut/>
       </p:transition>
@@ -4638,7 +4810,7 @@
             <a:fld id="{92714F1E-B45D-F141-BCEC-0A4A490D9DB7}" type="datetime2">
               <a:rPr lang="en-US" smtClean="0"/>
               <a:pPr/>
-              <a:t>Wednesday, January 13, 2016</a:t>
+              <a:t>Monday, January 18, 2016</a:t>
             </a:fld>
             <a:endParaRPr lang="en-US" dirty="0"/>
           </a:p>
@@ -4760,7 +4932,7 @@
     <p:sldLayoutId id="2147485506" r:id="rId11"/>
   </p:sldLayoutIdLst>
   <mc:AlternateContent xmlns:mc="http://schemas.openxmlformats.org/markup-compatibility/2006">
-    <mc:Choice xmlns="" xmlns:p14="http://schemas.microsoft.com/office/powerpoint/2010/main" Requires="p14">
+    <mc:Choice xmlns:p14="http://schemas.microsoft.com/office/powerpoint/2010/main" xmlns="" Requires="p14">
       <p:transition p14:dur="100">
         <p:cut/>
       </p:transition>
@@ -5406,7 +5578,7 @@
     </p:spTree>
     <p:extLst>
       <p:ext uri="{BB962C8B-B14F-4D97-AF65-F5344CB8AC3E}">
-        <p14:creationId xmlns="" xmlns:p14="http://schemas.microsoft.com/office/powerpoint/2010/main" val="1516866467"/>
+        <p14:creationId xmlns:p14="http://schemas.microsoft.com/office/powerpoint/2010/main" xmlns="" val="1516866467"/>
       </p:ext>
     </p:extLst>
   </p:cSld>
@@ -5414,7 +5586,7 @@
     <a:overrideClrMapping bg1="lt1" tx1="dk1" bg2="lt2" tx2="dk2" accent1="accent1" accent2="accent2" accent3="accent3" accent4="accent4" accent5="accent5" accent6="accent6" hlink="hlink" folHlink="folHlink"/>
   </p:clrMapOvr>
   <mc:AlternateContent xmlns:mc="http://schemas.openxmlformats.org/markup-compatibility/2006">
-    <mc:Choice xmlns="" xmlns:p14="http://schemas.microsoft.com/office/powerpoint/2010/main" Requires="p14">
+    <mc:Choice xmlns:p14="http://schemas.microsoft.com/office/powerpoint/2010/main" xmlns="" Requires="p14">
       <p:transition p14:dur="100">
         <p:cut/>
       </p:transition>
@@ -5482,17 +5654,8 @@
               <a:rPr lang="en-US" dirty="0" smtClean="0">
                 <a:latin typeface="Cambria" pitchFamily="18" charset="0"/>
               </a:rPr>
-              <a:t> on </a:t>
-            </a:r>
-            <a:r>
-              <a:rPr lang="en-US" dirty="0" smtClean="0">
-                <a:latin typeface="Cambria" pitchFamily="18" charset="0"/>
-              </a:rPr>
-              <a:t>Sublime</a:t>
-            </a:r>
-            <a:endParaRPr lang="en-US" dirty="0" smtClean="0">
-              <a:latin typeface="Cambria" pitchFamily="18" charset="0"/>
-            </a:endParaRPr>
+              <a:t> on Sublime</a:t>
+            </a:r>
           </a:p>
         </p:txBody>
       </p:sp>
@@ -5523,8 +5686,24 @@
             <a:r>
               <a:rPr lang="en-US" sz="2200" dirty="0" smtClean="0">
                 <a:latin typeface="Cambria" pitchFamily="18" charset="0"/>
-              </a:rPr>
-              <a:t>Clearly diff</a:t>
+                <a:hlinkClick r:id="rId3"/>
+              </a:rPr>
+              <a:t>https://sublimegit.net/</a:t>
+            </a:r>
+            <a:endParaRPr lang="en-US" sz="2200" dirty="0" smtClean="0">
+              <a:latin typeface="Cambria" pitchFamily="18" charset="0"/>
+            </a:endParaRPr>
+          </a:p>
+          <a:p>
+            <a:pPr>
+              <a:buFont typeface="Arial" pitchFamily="34" charset="0"/>
+              <a:buChar char="•"/>
+            </a:pPr>
+            <a:r>
+              <a:rPr lang="en-US" sz="2200" dirty="0" smtClean="0">
+                <a:latin typeface="Cambria" pitchFamily="18" charset="0"/>
+              </a:rPr>
+              <a:t>Install via package controls or download</a:t>
             </a:r>
             <a:endParaRPr lang="en-US" sz="2200" dirty="0">
               <a:latin typeface="Cambria" pitchFamily="18" charset="0"/>
@@ -5534,14 +5713,14 @@
       </p:sp>
       <p:pic>
         <p:nvPicPr>
-          <p:cNvPr id="5123" name="Picture 3" descr="C:\Users\sonvq\Desktop\Untitled2.png"/>
+          <p:cNvPr id="5124" name="Picture 4" descr="C:\Users\sonvq\Desktop\Screenshot_8.png"/>
           <p:cNvPicPr>
             <a:picLocks noChangeAspect="1" noChangeArrowheads="1"/>
           </p:cNvPicPr>
           <p:nvPr/>
         </p:nvPicPr>
         <p:blipFill>
-          <a:blip r:embed="rId3"/>
+          <a:blip r:embed="rId4"/>
           <a:srcRect/>
           <a:stretch>
             <a:fillRect/>
@@ -5549,19 +5728,24 @@
         </p:blipFill>
         <p:spPr bwMode="auto">
           <a:xfrm>
-            <a:off x="214122" y="2468880"/>
-            <a:ext cx="8699545" cy="3776472"/>
+            <a:off x="156781" y="2797493"/>
+            <a:ext cx="8792029" cy="3109531"/>
           </a:xfrm>
           <a:prstGeom prst="rect">
             <a:avLst/>
           </a:prstGeom>
           <a:noFill/>
+          <a:ln>
+            <a:solidFill>
+              <a:srgbClr val="7030A0"/>
+            </a:solidFill>
+          </a:ln>
         </p:spPr>
       </p:pic>
     </p:spTree>
     <p:extLst>
       <p:ext uri="{BB962C8B-B14F-4D97-AF65-F5344CB8AC3E}">
-        <p14:creationId xmlns="" xmlns:p14="http://schemas.microsoft.com/office/powerpoint/2010/main" val="2682096168"/>
+        <p14:creationId xmlns:p14="http://schemas.microsoft.com/office/powerpoint/2010/main" xmlns="" val="2682096168"/>
       </p:ext>
     </p:extLst>
   </p:cSld>
@@ -5569,7 +5753,7 @@
     <a:masterClrMapping/>
   </p:clrMapOvr>
   <mc:AlternateContent xmlns:mc="http://schemas.openxmlformats.org/markup-compatibility/2006">
-    <mc:Choice xmlns="" xmlns:p14="http://schemas.microsoft.com/office/powerpoint/2010/main" Requires="p14">
+    <mc:Choice xmlns:p14="http://schemas.microsoft.com/office/powerpoint/2010/main" xmlns="" Requires="p14">
       <p:transition p14:dur="100">
         <p:cut/>
       </p:transition>
@@ -5637,17 +5821,8 @@
               <a:rPr lang="en-US" dirty="0" smtClean="0">
                 <a:latin typeface="Cambria" pitchFamily="18" charset="0"/>
               </a:rPr>
-              <a:t> on </a:t>
-            </a:r>
-            <a:r>
-              <a:rPr lang="en-US" dirty="0" err="1" smtClean="0">
-                <a:latin typeface="Cambria" pitchFamily="18" charset="0"/>
-              </a:rPr>
-              <a:t>PHPStorm</a:t>
-            </a:r>
-            <a:endParaRPr lang="en-US" dirty="0" smtClean="0">
-              <a:latin typeface="Cambria" pitchFamily="18" charset="0"/>
-            </a:endParaRPr>
+              <a:t> on Sublime</a:t>
+            </a:r>
           </a:p>
         </p:txBody>
       </p:sp>
@@ -5679,7 +5854,7 @@
               <a:rPr lang="en-US" sz="2200" dirty="0" smtClean="0">
                 <a:latin typeface="Cambria" pitchFamily="18" charset="0"/>
               </a:rPr>
-              <a:t>Changes are marked clearly</a:t>
+              <a:t>Quick and Convenience command</a:t>
             </a:r>
             <a:endParaRPr lang="en-US" sz="2200" dirty="0">
               <a:latin typeface="Cambria" pitchFamily="18" charset="0"/>
@@ -5689,7 +5864,7 @@
       </p:sp>
       <p:pic>
         <p:nvPicPr>
-          <p:cNvPr id="7170" name="Picture 2" descr="C:\Users\sonvq\Desktop\Screenshot_9.png"/>
+          <p:cNvPr id="6146" name="Picture 2" descr="C:\Users\sonvq\Desktop\Untitled3.png"/>
           <p:cNvPicPr>
             <a:picLocks noChangeAspect="1" noChangeArrowheads="1"/>
           </p:cNvPicPr>
@@ -5704,24 +5879,19 @@
         </p:blipFill>
         <p:spPr bwMode="auto">
           <a:xfrm>
-            <a:off x="133350" y="2324974"/>
-            <a:ext cx="8797172" cy="3015121"/>
+            <a:off x="236978" y="2300288"/>
+            <a:ext cx="8583816" cy="2829496"/>
           </a:xfrm>
           <a:prstGeom prst="rect">
             <a:avLst/>
           </a:prstGeom>
           <a:noFill/>
-          <a:ln>
-            <a:solidFill>
-              <a:srgbClr val="7030A0"/>
-            </a:solidFill>
-          </a:ln>
         </p:spPr>
       </p:pic>
     </p:spTree>
     <p:extLst>
       <p:ext uri="{BB962C8B-B14F-4D97-AF65-F5344CB8AC3E}">
-        <p14:creationId xmlns="" xmlns:p14="http://schemas.microsoft.com/office/powerpoint/2010/main" val="2682096168"/>
+        <p14:creationId xmlns:p14="http://schemas.microsoft.com/office/powerpoint/2010/main" xmlns="" val="2682096168"/>
       </p:ext>
     </p:extLst>
   </p:cSld>
@@ -5729,7 +5899,7 @@
     <a:masterClrMapping/>
   </p:clrMapOvr>
   <mc:AlternateContent xmlns:mc="http://schemas.openxmlformats.org/markup-compatibility/2006">
-    <mc:Choice xmlns="" xmlns:p14="http://schemas.microsoft.com/office/powerpoint/2010/main" Requires="p14">
+    <mc:Choice xmlns:p14="http://schemas.microsoft.com/office/powerpoint/2010/main" xmlns="" Requires="p14">
       <p:transition p14:dur="100">
         <p:cut/>
       </p:transition>
@@ -5779,6 +5949,312 @@
         </p:nvSpPr>
         <p:spPr>
           <a:xfrm>
+            <a:off x="572906" y="665920"/>
+            <a:ext cx="8229600" cy="739014"/>
+          </a:xfrm>
+        </p:spPr>
+        <p:txBody>
+          <a:bodyPr/>
+          <a:lstStyle/>
+          <a:p>
+            <a:r>
+              <a:rPr lang="en-US" dirty="0" err="1" smtClean="0">
+                <a:latin typeface="Cambria" pitchFamily="18" charset="0"/>
+              </a:rPr>
+              <a:t>Git</a:t>
+            </a:r>
+            <a:r>
+              <a:rPr lang="en-US" dirty="0" smtClean="0">
+                <a:latin typeface="Cambria" pitchFamily="18" charset="0"/>
+              </a:rPr>
+              <a:t> on Sublime</a:t>
+            </a:r>
+          </a:p>
+        </p:txBody>
+      </p:sp>
+      <p:sp>
+        <p:nvSpPr>
+          <p:cNvPr id="5" name="Rectangle 3"/>
+          <p:cNvSpPr>
+            <a:spLocks noGrp="1" noChangeArrowheads="1"/>
+          </p:cNvSpPr>
+          <p:nvPr>
+            <p:ph idx="1"/>
+          </p:nvPr>
+        </p:nvSpPr>
+        <p:spPr>
+          <a:xfrm>
+            <a:off x="323850" y="1645919"/>
+            <a:ext cx="8606672" cy="4901185"/>
+          </a:xfrm>
+        </p:spPr>
+        <p:txBody>
+          <a:bodyPr/>
+          <a:lstStyle/>
+          <a:p>
+            <a:pPr>
+              <a:buFont typeface="Arial" pitchFamily="34" charset="0"/>
+              <a:buChar char="•"/>
+            </a:pPr>
+            <a:r>
+              <a:rPr lang="en-US" sz="2200" dirty="0" smtClean="0">
+                <a:latin typeface="Cambria" pitchFamily="18" charset="0"/>
+              </a:rPr>
+              <a:t>Clearly diff</a:t>
+            </a:r>
+            <a:endParaRPr lang="en-US" sz="2200" dirty="0">
+              <a:latin typeface="Cambria" pitchFamily="18" charset="0"/>
+            </a:endParaRPr>
+          </a:p>
+        </p:txBody>
+      </p:sp>
+      <p:pic>
+        <p:nvPicPr>
+          <p:cNvPr id="5123" name="Picture 3" descr="C:\Users\sonvq\Desktop\Untitled2.png"/>
+          <p:cNvPicPr>
+            <a:picLocks noChangeAspect="1" noChangeArrowheads="1"/>
+          </p:cNvPicPr>
+          <p:nvPr/>
+        </p:nvPicPr>
+        <p:blipFill>
+          <a:blip r:embed="rId3"/>
+          <a:srcRect/>
+          <a:stretch>
+            <a:fillRect/>
+          </a:stretch>
+        </p:blipFill>
+        <p:spPr bwMode="auto">
+          <a:xfrm>
+            <a:off x="214122" y="2468880"/>
+            <a:ext cx="8699545" cy="3776472"/>
+          </a:xfrm>
+          <a:prstGeom prst="rect">
+            <a:avLst/>
+          </a:prstGeom>
+          <a:noFill/>
+        </p:spPr>
+      </p:pic>
+    </p:spTree>
+    <p:extLst>
+      <p:ext uri="{BB962C8B-B14F-4D97-AF65-F5344CB8AC3E}">
+        <p14:creationId xmlns:p14="http://schemas.microsoft.com/office/powerpoint/2010/main" xmlns="" val="2682096168"/>
+      </p:ext>
+    </p:extLst>
+  </p:cSld>
+  <p:clrMapOvr>
+    <a:masterClrMapping/>
+  </p:clrMapOvr>
+  <mc:AlternateContent xmlns:mc="http://schemas.openxmlformats.org/markup-compatibility/2006">
+    <mc:Choice xmlns:p14="http://schemas.microsoft.com/office/powerpoint/2010/main" xmlns="" Requires="p14">
+      <p:transition p14:dur="100">
+        <p:cut/>
+      </p:transition>
+    </mc:Choice>
+    <mc:Fallback>
+      <p:transition>
+        <p:cut/>
+      </p:transition>
+    </mc:Fallback>
+  </mc:AlternateContent>
+  <p:timing>
+    <p:tnLst>
+      <p:par>
+        <p:cTn id="1" dur="indefinite" restart="never" nodeType="tmRoot"/>
+      </p:par>
+    </p:tnLst>
+  </p:timing>
+</p:sld>
+</file>
+
+<file path=ppt/slides/slide13.xml><?xml version="1.0" encoding="utf-8"?>
+<p:sld xmlns:a="http://schemas.openxmlformats.org/drawingml/2006/main" xmlns:r="http://schemas.openxmlformats.org/officeDocument/2006/relationships" xmlns:p="http://schemas.openxmlformats.org/presentationml/2006/main">
+  <p:cSld>
+    <p:spTree>
+      <p:nvGrpSpPr>
+        <p:cNvPr id="1" name=""/>
+        <p:cNvGrpSpPr/>
+        <p:nvPr/>
+      </p:nvGrpSpPr>
+      <p:grpSpPr>
+        <a:xfrm>
+          <a:off x="0" y="0"/>
+          <a:ext cx="0" cy="0"/>
+          <a:chOff x="0" y="0"/>
+          <a:chExt cx="0" cy="0"/>
+        </a:xfrm>
+      </p:grpSpPr>
+      <p:sp>
+        <p:nvSpPr>
+          <p:cNvPr id="8193" name="Rectangle 2"/>
+          <p:cNvSpPr>
+            <a:spLocks noGrp="1" noChangeArrowheads="1"/>
+          </p:cNvSpPr>
+          <p:nvPr>
+            <p:ph type="title"/>
+          </p:nvPr>
+        </p:nvSpPr>
+        <p:spPr>
+          <a:xfrm>
+            <a:off x="572906" y="665920"/>
+            <a:ext cx="8229600" cy="739014"/>
+          </a:xfrm>
+        </p:spPr>
+        <p:txBody>
+          <a:bodyPr/>
+          <a:lstStyle/>
+          <a:p>
+            <a:r>
+              <a:rPr lang="en-US" dirty="0" err="1" smtClean="0">
+                <a:latin typeface="Cambria" pitchFamily="18" charset="0"/>
+              </a:rPr>
+              <a:t>Git</a:t>
+            </a:r>
+            <a:r>
+              <a:rPr lang="en-US" dirty="0" smtClean="0">
+                <a:latin typeface="Cambria" pitchFamily="18" charset="0"/>
+              </a:rPr>
+              <a:t> on </a:t>
+            </a:r>
+            <a:r>
+              <a:rPr lang="en-US" dirty="0" err="1" smtClean="0">
+                <a:latin typeface="Cambria" pitchFamily="18" charset="0"/>
+              </a:rPr>
+              <a:t>PHPStorm</a:t>
+            </a:r>
+            <a:endParaRPr lang="en-US" dirty="0" smtClean="0">
+              <a:latin typeface="Cambria" pitchFamily="18" charset="0"/>
+            </a:endParaRPr>
+          </a:p>
+        </p:txBody>
+      </p:sp>
+      <p:sp>
+        <p:nvSpPr>
+          <p:cNvPr id="5" name="Rectangle 3"/>
+          <p:cNvSpPr>
+            <a:spLocks noGrp="1" noChangeArrowheads="1"/>
+          </p:cNvSpPr>
+          <p:nvPr>
+            <p:ph idx="1"/>
+          </p:nvPr>
+        </p:nvSpPr>
+        <p:spPr>
+          <a:xfrm>
+            <a:off x="323850" y="1645919"/>
+            <a:ext cx="8606672" cy="4901185"/>
+          </a:xfrm>
+        </p:spPr>
+        <p:txBody>
+          <a:bodyPr/>
+          <a:lstStyle/>
+          <a:p>
+            <a:pPr>
+              <a:buFont typeface="Arial" pitchFamily="34" charset="0"/>
+              <a:buChar char="•"/>
+            </a:pPr>
+            <a:r>
+              <a:rPr lang="en-US" sz="2200" dirty="0" smtClean="0">
+                <a:latin typeface="Cambria" pitchFamily="18" charset="0"/>
+              </a:rPr>
+              <a:t>Changes are marked clearly</a:t>
+            </a:r>
+            <a:endParaRPr lang="en-US" sz="2200" dirty="0">
+              <a:latin typeface="Cambria" pitchFamily="18" charset="0"/>
+            </a:endParaRPr>
+          </a:p>
+        </p:txBody>
+      </p:sp>
+      <p:pic>
+        <p:nvPicPr>
+          <p:cNvPr id="7170" name="Picture 2" descr="C:\Users\sonvq\Desktop\Screenshot_9.png"/>
+          <p:cNvPicPr>
+            <a:picLocks noChangeAspect="1" noChangeArrowheads="1"/>
+          </p:cNvPicPr>
+          <p:nvPr/>
+        </p:nvPicPr>
+        <p:blipFill>
+          <a:blip r:embed="rId3"/>
+          <a:srcRect/>
+          <a:stretch>
+            <a:fillRect/>
+          </a:stretch>
+        </p:blipFill>
+        <p:spPr bwMode="auto">
+          <a:xfrm>
+            <a:off x="133350" y="2324974"/>
+            <a:ext cx="8797172" cy="3015121"/>
+          </a:xfrm>
+          <a:prstGeom prst="rect">
+            <a:avLst/>
+          </a:prstGeom>
+          <a:noFill/>
+          <a:ln>
+            <a:solidFill>
+              <a:srgbClr val="7030A0"/>
+            </a:solidFill>
+          </a:ln>
+        </p:spPr>
+      </p:pic>
+    </p:spTree>
+    <p:extLst>
+      <p:ext uri="{BB962C8B-B14F-4D97-AF65-F5344CB8AC3E}">
+        <p14:creationId xmlns:p14="http://schemas.microsoft.com/office/powerpoint/2010/main" xmlns="" val="2682096168"/>
+      </p:ext>
+    </p:extLst>
+  </p:cSld>
+  <p:clrMapOvr>
+    <a:masterClrMapping/>
+  </p:clrMapOvr>
+  <mc:AlternateContent xmlns:mc="http://schemas.openxmlformats.org/markup-compatibility/2006">
+    <mc:Choice xmlns:p14="http://schemas.microsoft.com/office/powerpoint/2010/main" xmlns="" Requires="p14">
+      <p:transition p14:dur="100">
+        <p:cut/>
+      </p:transition>
+    </mc:Choice>
+    <mc:Fallback>
+      <p:transition>
+        <p:cut/>
+      </p:transition>
+    </mc:Fallback>
+  </mc:AlternateContent>
+  <p:timing>
+    <p:tnLst>
+      <p:par>
+        <p:cTn id="1" dur="indefinite" restart="never" nodeType="tmRoot"/>
+      </p:par>
+    </p:tnLst>
+  </p:timing>
+</p:sld>
+</file>
+
+<file path=ppt/slides/slide14.xml><?xml version="1.0" encoding="utf-8"?>
+<p:sld xmlns:a="http://schemas.openxmlformats.org/drawingml/2006/main" xmlns:r="http://schemas.openxmlformats.org/officeDocument/2006/relationships" xmlns:p="http://schemas.openxmlformats.org/presentationml/2006/main">
+  <p:cSld>
+    <p:spTree>
+      <p:nvGrpSpPr>
+        <p:cNvPr id="1" name=""/>
+        <p:cNvGrpSpPr/>
+        <p:nvPr/>
+      </p:nvGrpSpPr>
+      <p:grpSpPr>
+        <a:xfrm>
+          <a:off x="0" y="0"/>
+          <a:ext cx="0" cy="0"/>
+          <a:chOff x="0" y="0"/>
+          <a:chExt cx="0" cy="0"/>
+        </a:xfrm>
+      </p:grpSpPr>
+      <p:sp>
+        <p:nvSpPr>
+          <p:cNvPr id="8193" name="Rectangle 2"/>
+          <p:cNvSpPr>
+            <a:spLocks noGrp="1" noChangeArrowheads="1"/>
+          </p:cNvSpPr>
+          <p:nvPr>
+            <p:ph type="title"/>
+          </p:nvPr>
+        </p:nvSpPr>
+        <p:spPr>
+          <a:xfrm>
             <a:off x="572906" y="296413"/>
             <a:ext cx="8229600" cy="739014"/>
           </a:xfrm>
@@ -5893,7 +6369,7 @@
     </p:spTree>
     <p:extLst>
       <p:ext uri="{BB962C8B-B14F-4D97-AF65-F5344CB8AC3E}">
-        <p14:creationId xmlns="" xmlns:p14="http://schemas.microsoft.com/office/powerpoint/2010/main" val="2682096168"/>
+        <p14:creationId xmlns:p14="http://schemas.microsoft.com/office/powerpoint/2010/main" xmlns="" val="2682096168"/>
       </p:ext>
     </p:extLst>
   </p:cSld>
@@ -5901,7 +6377,7 @@
     <a:masterClrMapping/>
   </p:clrMapOvr>
   <mc:AlternateContent xmlns:mc="http://schemas.openxmlformats.org/markup-compatibility/2006">
-    <mc:Choice xmlns="" xmlns:p14="http://schemas.microsoft.com/office/powerpoint/2010/main" Requires="p14">
+    <mc:Choice xmlns:p14="http://schemas.microsoft.com/office/powerpoint/2010/main" xmlns="" Requires="p14">
       <p:transition p14:dur="100">
         <p:cut/>
       </p:transition>
@@ -5922,7 +6398,7 @@
 </p:sld>
 </file>
 
-<file path=ppt/slides/slide13.xml><?xml version="1.0" encoding="utf-8"?>
+<file path=ppt/slides/slide15.xml><?xml version="1.0" encoding="utf-8"?>
 <p:sld xmlns:a="http://schemas.openxmlformats.org/drawingml/2006/main" xmlns:r="http://schemas.openxmlformats.org/officeDocument/2006/relationships" xmlns:p="http://schemas.openxmlformats.org/presentationml/2006/main">
   <p:cSld>
     <p:spTree>
@@ -5966,7 +6442,7 @@
     </p:spTree>
     <p:extLst>
       <p:ext uri="{BB962C8B-B14F-4D97-AF65-F5344CB8AC3E}">
-        <p14:creationId xmlns="" xmlns:p14="http://schemas.microsoft.com/office/powerpoint/2010/main" val="2972145195"/>
+        <p14:creationId xmlns:p14="http://schemas.microsoft.com/office/powerpoint/2010/main" xmlns="" val="2972145195"/>
       </p:ext>
     </p:extLst>
   </p:cSld>
@@ -5974,7 +6450,7 @@
     <a:masterClrMapping/>
   </p:clrMapOvr>
   <mc:AlternateContent xmlns:mc="http://schemas.openxmlformats.org/markup-compatibility/2006">
-    <mc:Choice xmlns="" xmlns:p14="http://schemas.microsoft.com/office/powerpoint/2010/main" Requires="p14">
+    <mc:Choice xmlns:p14="http://schemas.microsoft.com/office/powerpoint/2010/main" xmlns="" Requires="p14">
       <p:transition p14:dur="100">
         <p:cut/>
       </p:transition>
@@ -5995,7 +6471,7 @@
 </p:sld>
 </file>
 
-<file path=ppt/slides/slide14.xml><?xml version="1.0" encoding="utf-8"?>
+<file path=ppt/slides/slide16.xml><?xml version="1.0" encoding="utf-8"?>
 <p:sld xmlns:a="http://schemas.openxmlformats.org/drawingml/2006/main" xmlns:r="http://schemas.openxmlformats.org/officeDocument/2006/relationships" xmlns:p="http://schemas.openxmlformats.org/presentationml/2006/main">
   <p:cSld>
     <p:spTree>
@@ -6076,7 +6552,7 @@
     </p:spTree>
     <p:extLst>
       <p:ext uri="{BB962C8B-B14F-4D97-AF65-F5344CB8AC3E}">
-        <p14:creationId xmlns="" xmlns:p14="http://schemas.microsoft.com/office/powerpoint/2010/main" val="3137979333"/>
+        <p14:creationId xmlns:p14="http://schemas.microsoft.com/office/powerpoint/2010/main" xmlns="" val="3137979333"/>
       </p:ext>
     </p:extLst>
   </p:cSld>
@@ -6084,7 +6560,7 @@
     <a:masterClrMapping/>
   </p:clrMapOvr>
   <mc:AlternateContent xmlns:mc="http://schemas.openxmlformats.org/markup-compatibility/2006">
-    <mc:Choice xmlns="" xmlns:p14="http://schemas.microsoft.com/office/powerpoint/2010/main" Requires="p14">
+    <mc:Choice xmlns:p14="http://schemas.microsoft.com/office/powerpoint/2010/main" xmlns="" Requires="p14">
       <p:transition p14:dur="100">
         <p:cut/>
       </p:transition>
@@ -6202,9 +6678,6 @@
               </a:rPr>
               <a:t> 8.1</a:t>
             </a:r>
-            <a:endParaRPr lang="en-US" sz="2200" dirty="0" smtClean="0">
-              <a:latin typeface="Cambria" pitchFamily="18" charset="0"/>
-            </a:endParaRPr>
           </a:p>
           <a:p>
             <a:pPr>
@@ -6232,9 +6705,6 @@
               </a:rPr>
               <a:t> on Sublime 3.0</a:t>
             </a:r>
-            <a:endParaRPr lang="en-US" sz="2200" dirty="0" smtClean="0">
-              <a:latin typeface="Cambria" pitchFamily="18" charset="0"/>
-            </a:endParaRPr>
           </a:p>
           <a:p>
             <a:pPr>
@@ -6274,16 +6744,13 @@
               </a:rPr>
               <a:t> 10.0 </a:t>
             </a:r>
-            <a:endParaRPr lang="en-US" sz="2200" dirty="0" smtClean="0">
-              <a:latin typeface="Cambria" pitchFamily="18" charset="0"/>
-            </a:endParaRPr>
           </a:p>
         </p:txBody>
       </p:sp>
     </p:spTree>
     <p:extLst>
       <p:ext uri="{BB962C8B-B14F-4D97-AF65-F5344CB8AC3E}">
-        <p14:creationId xmlns="" xmlns:p14="http://schemas.microsoft.com/office/powerpoint/2010/main" val="2682096168"/>
+        <p14:creationId xmlns:p14="http://schemas.microsoft.com/office/powerpoint/2010/main" xmlns="" val="2682096168"/>
       </p:ext>
     </p:extLst>
   </p:cSld>
@@ -6291,7 +6758,7 @@
     <a:masterClrMapping/>
   </p:clrMapOvr>
   <mc:AlternateContent xmlns:mc="http://schemas.openxmlformats.org/markup-compatibility/2006">
-    <mc:Choice xmlns="" xmlns:p14="http://schemas.microsoft.com/office/powerpoint/2010/main" Requires="p14">
+    <mc:Choice xmlns:p14="http://schemas.microsoft.com/office/powerpoint/2010/main" xmlns="" Requires="p14">
       <p:transition p14:dur="100">
         <p:cut/>
       </p:transition>
@@ -6341,7 +6808,7 @@
         </p:nvSpPr>
         <p:spPr>
           <a:xfrm>
-            <a:off x="572906" y="665920"/>
+            <a:off x="783771" y="58669"/>
             <a:ext cx="8229600" cy="739014"/>
           </a:xfrm>
         </p:spPr>
@@ -6385,8 +6852,8 @@
         </p:nvSpPr>
         <p:spPr>
           <a:xfrm>
-            <a:off x="323850" y="1645919"/>
-            <a:ext cx="8606672" cy="4901185"/>
+            <a:off x="5549739" y="1474237"/>
+            <a:ext cx="3463632" cy="4901185"/>
           </a:xfrm>
         </p:spPr>
         <p:txBody>
@@ -6401,7 +6868,19 @@
               <a:rPr lang="en-US" sz="2200" dirty="0" smtClean="0">
                 <a:latin typeface="Cambria" pitchFamily="18" charset="0"/>
               </a:rPr>
-              <a:t>Easy view changed codes</a:t>
+              <a:t>Support all commands like other </a:t>
+            </a:r>
+            <a:r>
+              <a:rPr lang="en-US" sz="2200" dirty="0" err="1" smtClean="0">
+                <a:latin typeface="Cambria" pitchFamily="18" charset="0"/>
+              </a:rPr>
+              <a:t>git</a:t>
+            </a:r>
+            <a:r>
+              <a:rPr lang="en-US" sz="2200" dirty="0" smtClean="0">
+                <a:latin typeface="Cambria" pitchFamily="18" charset="0"/>
+              </a:rPr>
+              <a:t> tools</a:t>
             </a:r>
             <a:endParaRPr lang="en-US" sz="2200" dirty="0">
               <a:latin typeface="Cambria" pitchFamily="18" charset="0"/>
@@ -6411,7 +6890,7 @@
       </p:sp>
       <p:pic>
         <p:nvPicPr>
-          <p:cNvPr id="2050" name="Picture 2" descr="C:\Users\sonvq\Desktop\Screenshot_2.png"/>
+          <p:cNvPr id="1027" name="Picture 3" descr="C:\Users\sonvq\Desktop\Screenshot_25.png"/>
           <p:cNvPicPr>
             <a:picLocks noChangeAspect="1" noChangeArrowheads="1"/>
           </p:cNvPicPr>
@@ -6426,8 +6905,8 @@
         </p:blipFill>
         <p:spPr bwMode="auto">
           <a:xfrm>
-            <a:off x="232410" y="2673287"/>
-            <a:ext cx="8635518" cy="3572065"/>
+            <a:off x="9331" y="1036556"/>
+            <a:ext cx="5309118" cy="5693042"/>
           </a:xfrm>
           <a:prstGeom prst="rect">
             <a:avLst/>
@@ -6443,7 +6922,7 @@
     </p:spTree>
     <p:extLst>
       <p:ext uri="{BB962C8B-B14F-4D97-AF65-F5344CB8AC3E}">
-        <p14:creationId xmlns="" xmlns:p14="http://schemas.microsoft.com/office/powerpoint/2010/main" val="2682096168"/>
+        <p14:creationId xmlns:p14="http://schemas.microsoft.com/office/powerpoint/2010/main" xmlns="" val="2682096168"/>
       </p:ext>
     </p:extLst>
   </p:cSld>
@@ -6451,7 +6930,7 @@
     <a:masterClrMapping/>
   </p:clrMapOvr>
   <mc:AlternateContent xmlns:mc="http://schemas.openxmlformats.org/markup-compatibility/2006">
-    <mc:Choice xmlns="" xmlns:p14="http://schemas.microsoft.com/office/powerpoint/2010/main" Requires="p14">
+    <mc:Choice xmlns:p14="http://schemas.microsoft.com/office/powerpoint/2010/main" xmlns="" Requires="p14">
       <p:transition p14:dur="100">
         <p:cut/>
       </p:transition>
@@ -6501,6 +6980,321 @@
         </p:nvSpPr>
         <p:spPr>
           <a:xfrm>
+            <a:off x="572906" y="428176"/>
+            <a:ext cx="8229600" cy="739014"/>
+          </a:xfrm>
+        </p:spPr>
+        <p:txBody>
+          <a:bodyPr/>
+          <a:lstStyle/>
+          <a:p>
+            <a:r>
+              <a:rPr lang="en-US" dirty="0" err="1" smtClean="0">
+                <a:latin typeface="Cambria" pitchFamily="18" charset="0"/>
+              </a:rPr>
+              <a:t>Git</a:t>
+            </a:r>
+            <a:r>
+              <a:rPr lang="en-US" dirty="0" smtClean="0">
+                <a:latin typeface="Cambria" pitchFamily="18" charset="0"/>
+              </a:rPr>
+              <a:t> on </a:t>
+            </a:r>
+            <a:r>
+              <a:rPr lang="en-US" dirty="0" err="1" smtClean="0">
+                <a:latin typeface="Cambria" pitchFamily="18" charset="0"/>
+              </a:rPr>
+              <a:t>Netbeans</a:t>
+            </a:r>
+            <a:endParaRPr lang="en-US" dirty="0" smtClean="0">
+              <a:latin typeface="Cambria" pitchFamily="18" charset="0"/>
+            </a:endParaRPr>
+          </a:p>
+        </p:txBody>
+      </p:sp>
+      <p:sp>
+        <p:nvSpPr>
+          <p:cNvPr id="5" name="Rectangle 3"/>
+          <p:cNvSpPr>
+            <a:spLocks noGrp="1" noChangeArrowheads="1"/>
+          </p:cNvSpPr>
+          <p:nvPr>
+            <p:ph idx="1"/>
+          </p:nvPr>
+        </p:nvSpPr>
+        <p:spPr>
+          <a:xfrm>
+            <a:off x="195834" y="1296955"/>
+            <a:ext cx="8606672" cy="5031814"/>
+          </a:xfrm>
+        </p:spPr>
+        <p:txBody>
+          <a:bodyPr/>
+          <a:lstStyle/>
+          <a:p>
+            <a:pPr>
+              <a:buFont typeface="Arial" pitchFamily="34" charset="0"/>
+              <a:buChar char="•"/>
+            </a:pPr>
+            <a:r>
+              <a:rPr lang="en-US" sz="2200" dirty="0" smtClean="0">
+                <a:latin typeface="Cambria" pitchFamily="18" charset="0"/>
+              </a:rPr>
+              <a:t>Review changed files before commit </a:t>
+            </a:r>
+            <a:endParaRPr lang="en-US" sz="2200" dirty="0">
+              <a:latin typeface="Cambria" pitchFamily="18" charset="0"/>
+            </a:endParaRPr>
+          </a:p>
+        </p:txBody>
+      </p:sp>
+      <p:pic>
+        <p:nvPicPr>
+          <p:cNvPr id="2050" name="Picture 2" descr="C:\Users\sonvq\Desktop\Screenshot_24.png"/>
+          <p:cNvPicPr>
+            <a:picLocks noChangeAspect="1" noChangeArrowheads="1"/>
+          </p:cNvPicPr>
+          <p:nvPr/>
+        </p:nvPicPr>
+        <p:blipFill>
+          <a:blip r:embed="rId3"/>
+          <a:srcRect/>
+          <a:stretch>
+            <a:fillRect/>
+          </a:stretch>
+        </p:blipFill>
+        <p:spPr bwMode="auto">
+          <a:xfrm>
+            <a:off x="796841" y="1869618"/>
+            <a:ext cx="7432759" cy="4988382"/>
+          </a:xfrm>
+          <a:prstGeom prst="rect">
+            <a:avLst/>
+          </a:prstGeom>
+          <a:noFill/>
+        </p:spPr>
+      </p:pic>
+    </p:spTree>
+    <p:extLst>
+      <p:ext uri="{BB962C8B-B14F-4D97-AF65-F5344CB8AC3E}">
+        <p14:creationId xmlns:p14="http://schemas.microsoft.com/office/powerpoint/2010/main" xmlns="" val="2682096168"/>
+      </p:ext>
+    </p:extLst>
+  </p:cSld>
+  <p:clrMapOvr>
+    <a:masterClrMapping/>
+  </p:clrMapOvr>
+  <mc:AlternateContent xmlns:mc="http://schemas.openxmlformats.org/markup-compatibility/2006">
+    <mc:Choice xmlns:p14="http://schemas.microsoft.com/office/powerpoint/2010/main" xmlns="" Requires="p14">
+      <p:transition p14:dur="100">
+        <p:cut/>
+      </p:transition>
+    </mc:Choice>
+    <mc:Fallback>
+      <p:transition>
+        <p:cut/>
+      </p:transition>
+    </mc:Fallback>
+  </mc:AlternateContent>
+  <p:timing>
+    <p:tnLst>
+      <p:par>
+        <p:cTn id="1" dur="indefinite" restart="never" nodeType="tmRoot"/>
+      </p:par>
+    </p:tnLst>
+  </p:timing>
+</p:sld>
+</file>
+
+<file path=ppt/slides/slide5.xml><?xml version="1.0" encoding="utf-8"?>
+<p:sld xmlns:a="http://schemas.openxmlformats.org/drawingml/2006/main" xmlns:r="http://schemas.openxmlformats.org/officeDocument/2006/relationships" xmlns:p="http://schemas.openxmlformats.org/presentationml/2006/main">
+  <p:cSld>
+    <p:spTree>
+      <p:nvGrpSpPr>
+        <p:cNvPr id="1" name=""/>
+        <p:cNvGrpSpPr/>
+        <p:nvPr/>
+      </p:nvGrpSpPr>
+      <p:grpSpPr>
+        <a:xfrm>
+          <a:off x="0" y="0"/>
+          <a:ext cx="0" cy="0"/>
+          <a:chOff x="0" y="0"/>
+          <a:chExt cx="0" cy="0"/>
+        </a:xfrm>
+      </p:grpSpPr>
+      <p:sp>
+        <p:nvSpPr>
+          <p:cNvPr id="8193" name="Rectangle 2"/>
+          <p:cNvSpPr>
+            <a:spLocks noGrp="1" noChangeArrowheads="1"/>
+          </p:cNvSpPr>
+          <p:nvPr>
+            <p:ph type="title"/>
+          </p:nvPr>
+        </p:nvSpPr>
+        <p:spPr>
+          <a:xfrm>
+            <a:off x="572906" y="665920"/>
+            <a:ext cx="8229600" cy="739014"/>
+          </a:xfrm>
+        </p:spPr>
+        <p:txBody>
+          <a:bodyPr/>
+          <a:lstStyle/>
+          <a:p>
+            <a:r>
+              <a:rPr lang="en-US" dirty="0" err="1" smtClean="0">
+                <a:latin typeface="Cambria" pitchFamily="18" charset="0"/>
+              </a:rPr>
+              <a:t>Git</a:t>
+            </a:r>
+            <a:r>
+              <a:rPr lang="en-US" dirty="0" smtClean="0">
+                <a:latin typeface="Cambria" pitchFamily="18" charset="0"/>
+              </a:rPr>
+              <a:t> on </a:t>
+            </a:r>
+            <a:r>
+              <a:rPr lang="en-US" dirty="0" err="1" smtClean="0">
+                <a:latin typeface="Cambria" pitchFamily="18" charset="0"/>
+              </a:rPr>
+              <a:t>Netbeans</a:t>
+            </a:r>
+            <a:endParaRPr lang="en-US" dirty="0" smtClean="0">
+              <a:latin typeface="Cambria" pitchFamily="18" charset="0"/>
+            </a:endParaRPr>
+          </a:p>
+        </p:txBody>
+      </p:sp>
+      <p:sp>
+        <p:nvSpPr>
+          <p:cNvPr id="5" name="Rectangle 3"/>
+          <p:cNvSpPr>
+            <a:spLocks noGrp="1" noChangeArrowheads="1"/>
+          </p:cNvSpPr>
+          <p:nvPr>
+            <p:ph idx="1"/>
+          </p:nvPr>
+        </p:nvSpPr>
+        <p:spPr>
+          <a:xfrm>
+            <a:off x="323850" y="1645919"/>
+            <a:ext cx="8606672" cy="4901185"/>
+          </a:xfrm>
+        </p:spPr>
+        <p:txBody>
+          <a:bodyPr/>
+          <a:lstStyle/>
+          <a:p>
+            <a:pPr>
+              <a:buFont typeface="Arial" pitchFamily="34" charset="0"/>
+              <a:buChar char="•"/>
+            </a:pPr>
+            <a:r>
+              <a:rPr lang="en-US" sz="2200" dirty="0" smtClean="0">
+                <a:latin typeface="Cambria" pitchFamily="18" charset="0"/>
+              </a:rPr>
+              <a:t>Easy view changed codes</a:t>
+            </a:r>
+            <a:endParaRPr lang="en-US" sz="2200" dirty="0">
+              <a:latin typeface="Cambria" pitchFamily="18" charset="0"/>
+            </a:endParaRPr>
+          </a:p>
+        </p:txBody>
+      </p:sp>
+      <p:pic>
+        <p:nvPicPr>
+          <p:cNvPr id="2050" name="Picture 2" descr="C:\Users\sonvq\Desktop\Screenshot_2.png"/>
+          <p:cNvPicPr>
+            <a:picLocks noChangeAspect="1" noChangeArrowheads="1"/>
+          </p:cNvPicPr>
+          <p:nvPr/>
+        </p:nvPicPr>
+        <p:blipFill>
+          <a:blip r:embed="rId3"/>
+          <a:srcRect/>
+          <a:stretch>
+            <a:fillRect/>
+          </a:stretch>
+        </p:blipFill>
+        <p:spPr bwMode="auto">
+          <a:xfrm>
+            <a:off x="232410" y="2673287"/>
+            <a:ext cx="8635518" cy="3572065"/>
+          </a:xfrm>
+          <a:prstGeom prst="rect">
+            <a:avLst/>
+          </a:prstGeom>
+          <a:noFill/>
+          <a:ln>
+            <a:solidFill>
+              <a:srgbClr val="7030A0"/>
+            </a:solidFill>
+          </a:ln>
+        </p:spPr>
+      </p:pic>
+    </p:spTree>
+    <p:extLst>
+      <p:ext uri="{BB962C8B-B14F-4D97-AF65-F5344CB8AC3E}">
+        <p14:creationId xmlns:p14="http://schemas.microsoft.com/office/powerpoint/2010/main" xmlns="" val="2682096168"/>
+      </p:ext>
+    </p:extLst>
+  </p:cSld>
+  <p:clrMapOvr>
+    <a:masterClrMapping/>
+  </p:clrMapOvr>
+  <mc:AlternateContent xmlns:mc="http://schemas.openxmlformats.org/markup-compatibility/2006">
+    <mc:Choice xmlns:p14="http://schemas.microsoft.com/office/powerpoint/2010/main" xmlns="" Requires="p14">
+      <p:transition p14:dur="100">
+        <p:cut/>
+      </p:transition>
+    </mc:Choice>
+    <mc:Fallback>
+      <p:transition>
+        <p:cut/>
+      </p:transition>
+    </mc:Fallback>
+  </mc:AlternateContent>
+  <p:timing>
+    <p:tnLst>
+      <p:par>
+        <p:cTn id="1" dur="indefinite" restart="never" nodeType="tmRoot"/>
+      </p:par>
+    </p:tnLst>
+  </p:timing>
+</p:sld>
+</file>
+
+<file path=ppt/slides/slide6.xml><?xml version="1.0" encoding="utf-8"?>
+<p:sld xmlns:a="http://schemas.openxmlformats.org/drawingml/2006/main" xmlns:r="http://schemas.openxmlformats.org/officeDocument/2006/relationships" xmlns:p="http://schemas.openxmlformats.org/presentationml/2006/main">
+  <p:cSld>
+    <p:spTree>
+      <p:nvGrpSpPr>
+        <p:cNvPr id="1" name=""/>
+        <p:cNvGrpSpPr/>
+        <p:nvPr/>
+      </p:nvGrpSpPr>
+      <p:grpSpPr>
+        <a:xfrm>
+          <a:off x="0" y="0"/>
+          <a:ext cx="0" cy="0"/>
+          <a:chOff x="0" y="0"/>
+          <a:chExt cx="0" cy="0"/>
+        </a:xfrm>
+      </p:grpSpPr>
+      <p:sp>
+        <p:nvSpPr>
+          <p:cNvPr id="8193" name="Rectangle 2"/>
+          <p:cNvSpPr>
+            <a:spLocks noGrp="1" noChangeArrowheads="1"/>
+          </p:cNvSpPr>
+          <p:nvPr>
+            <p:ph type="title"/>
+          </p:nvPr>
+        </p:nvSpPr>
+        <p:spPr>
+          <a:xfrm>
             <a:off x="572906" y="665920"/>
             <a:ext cx="8229600" cy="739014"/>
           </a:xfrm>
@@ -6603,7 +7397,7 @@
     </p:spTree>
     <p:extLst>
       <p:ext uri="{BB962C8B-B14F-4D97-AF65-F5344CB8AC3E}">
-        <p14:creationId xmlns="" xmlns:p14="http://schemas.microsoft.com/office/powerpoint/2010/main" val="2682096168"/>
+        <p14:creationId xmlns:p14="http://schemas.microsoft.com/office/powerpoint/2010/main" xmlns="" val="2682096168"/>
       </p:ext>
     </p:extLst>
   </p:cSld>
@@ -6611,7 +7405,7 @@
     <a:masterClrMapping/>
   </p:clrMapOvr>
   <mc:AlternateContent xmlns:mc="http://schemas.openxmlformats.org/markup-compatibility/2006">
-    <mc:Choice xmlns="" xmlns:p14="http://schemas.microsoft.com/office/powerpoint/2010/main" Requires="p14">
+    <mc:Choice xmlns:p14="http://schemas.microsoft.com/office/powerpoint/2010/main" xmlns="" Requires="p14">
       <p:transition p14:dur="100">
         <p:cut/>
       </p:transition>
@@ -6632,7 +7426,7 @@
 </p:sld>
 </file>
 
-<file path=ppt/slides/slide5.xml><?xml version="1.0" encoding="utf-8"?>
+<file path=ppt/slides/slide7.xml><?xml version="1.0" encoding="utf-8"?>
 <p:sld xmlns:a="http://schemas.openxmlformats.org/drawingml/2006/main" xmlns:r="http://schemas.openxmlformats.org/officeDocument/2006/relationships" xmlns:p="http://schemas.openxmlformats.org/presentationml/2006/main">
   <p:cSld>
     <p:spTree>
@@ -6925,7 +7719,7 @@
     </p:spTree>
     <p:extLst>
       <p:ext uri="{BB962C8B-B14F-4D97-AF65-F5344CB8AC3E}">
-        <p14:creationId xmlns="" xmlns:p14="http://schemas.microsoft.com/office/powerpoint/2010/main" val="2682096168"/>
+        <p14:creationId xmlns:p14="http://schemas.microsoft.com/office/powerpoint/2010/main" xmlns="" val="2682096168"/>
       </p:ext>
     </p:extLst>
   </p:cSld>
@@ -6933,7 +7727,7 @@
     <a:masterClrMapping/>
   </p:clrMapOvr>
   <mc:AlternateContent xmlns:mc="http://schemas.openxmlformats.org/markup-compatibility/2006">
-    <mc:Choice xmlns="" xmlns:p14="http://schemas.microsoft.com/office/powerpoint/2010/main" Requires="p14">
+    <mc:Choice xmlns:p14="http://schemas.microsoft.com/office/powerpoint/2010/main" xmlns="" Requires="p14">
       <p:transition p14:dur="100">
         <p:cut/>
       </p:transition>
@@ -6954,7 +7748,7 @@
 </p:sld>
 </file>
 
-<file path=ppt/slides/slide6.xml><?xml version="1.0" encoding="utf-8"?>
+<file path=ppt/slides/slide8.xml><?xml version="1.0" encoding="utf-8"?>
 <p:sld xmlns:a="http://schemas.openxmlformats.org/drawingml/2006/main" xmlns:r="http://schemas.openxmlformats.org/officeDocument/2006/relationships" xmlns:p="http://schemas.openxmlformats.org/presentationml/2006/main">
   <p:cSld>
     <p:spTree>
@@ -7223,7 +8017,7 @@
     </p:spTree>
     <p:extLst>
       <p:ext uri="{BB962C8B-B14F-4D97-AF65-F5344CB8AC3E}">
-        <p14:creationId xmlns="" xmlns:p14="http://schemas.microsoft.com/office/powerpoint/2010/main" val="2682096168"/>
+        <p14:creationId xmlns:p14="http://schemas.microsoft.com/office/powerpoint/2010/main" xmlns="" val="2682096168"/>
       </p:ext>
     </p:extLst>
   </p:cSld>
@@ -7231,7 +8025,7 @@
     <a:masterClrMapping/>
   </p:clrMapOvr>
   <mc:AlternateContent xmlns:mc="http://schemas.openxmlformats.org/markup-compatibility/2006">
-    <mc:Choice xmlns="" xmlns:p14="http://schemas.microsoft.com/office/powerpoint/2010/main" Requires="p14">
+    <mc:Choice xmlns:p14="http://schemas.microsoft.com/office/powerpoint/2010/main" xmlns="" Requires="p14">
       <p:transition p14:dur="100">
         <p:cut/>
       </p:transition>
@@ -7252,7 +8046,7 @@
 </p:sld>
 </file>
 
-<file path=ppt/slides/slide7.xml><?xml version="1.0" encoding="utf-8"?>
+<file path=ppt/slides/slide9.xml><?xml version="1.0" encoding="utf-8"?>
 <p:sld xmlns:a="http://schemas.openxmlformats.org/drawingml/2006/main" xmlns:r="http://schemas.openxmlformats.org/officeDocument/2006/relationships" xmlns:p="http://schemas.openxmlformats.org/presentationml/2006/main">
   <p:cSld>
     <p:spTree>
@@ -7409,7 +8203,7 @@
     </p:spTree>
     <p:extLst>
       <p:ext uri="{BB962C8B-B14F-4D97-AF65-F5344CB8AC3E}">
-        <p14:creationId xmlns="" xmlns:p14="http://schemas.microsoft.com/office/powerpoint/2010/main" val="2682096168"/>
+        <p14:creationId xmlns:p14="http://schemas.microsoft.com/office/powerpoint/2010/main" xmlns="" val="2682096168"/>
       </p:ext>
     </p:extLst>
   </p:cSld>
@@ -7417,345 +8211,7 @@
     <a:masterClrMapping/>
   </p:clrMapOvr>
   <mc:AlternateContent xmlns:mc="http://schemas.openxmlformats.org/markup-compatibility/2006">
-    <mc:Choice xmlns="" xmlns:p14="http://schemas.microsoft.com/office/powerpoint/2010/main" Requires="p14">
-      <p:transition p14:dur="100">
-        <p:cut/>
-      </p:transition>
-    </mc:Choice>
-    <mc:Fallback>
-      <p:transition>
-        <p:cut/>
-      </p:transition>
-    </mc:Fallback>
-  </mc:AlternateContent>
-  <p:timing>
-    <p:tnLst>
-      <p:par>
-        <p:cTn id="1" dur="indefinite" restart="never" nodeType="tmRoot"/>
-      </p:par>
-    </p:tnLst>
-  </p:timing>
-</p:sld>
-</file>
-
-<file path=ppt/slides/slide8.xml><?xml version="1.0" encoding="utf-8"?>
-<p:sld xmlns:a="http://schemas.openxmlformats.org/drawingml/2006/main" xmlns:r="http://schemas.openxmlformats.org/officeDocument/2006/relationships" xmlns:p="http://schemas.openxmlformats.org/presentationml/2006/main">
-  <p:cSld>
-    <p:spTree>
-      <p:nvGrpSpPr>
-        <p:cNvPr id="1" name=""/>
-        <p:cNvGrpSpPr/>
-        <p:nvPr/>
-      </p:nvGrpSpPr>
-      <p:grpSpPr>
-        <a:xfrm>
-          <a:off x="0" y="0"/>
-          <a:ext cx="0" cy="0"/>
-          <a:chOff x="0" y="0"/>
-          <a:chExt cx="0" cy="0"/>
-        </a:xfrm>
-      </p:grpSpPr>
-      <p:sp>
-        <p:nvSpPr>
-          <p:cNvPr id="8193" name="Rectangle 2"/>
-          <p:cNvSpPr>
-            <a:spLocks noGrp="1" noChangeArrowheads="1"/>
-          </p:cNvSpPr>
-          <p:nvPr>
-            <p:ph type="title"/>
-          </p:nvPr>
-        </p:nvSpPr>
-        <p:spPr>
-          <a:xfrm>
-            <a:off x="572906" y="665920"/>
-            <a:ext cx="8229600" cy="739014"/>
-          </a:xfrm>
-        </p:spPr>
-        <p:txBody>
-          <a:bodyPr/>
-          <a:lstStyle/>
-          <a:p>
-            <a:r>
-              <a:rPr lang="en-US" dirty="0" err="1" smtClean="0">
-                <a:latin typeface="Cambria" pitchFamily="18" charset="0"/>
-              </a:rPr>
-              <a:t>Git</a:t>
-            </a:r>
-            <a:r>
-              <a:rPr lang="en-US" dirty="0" smtClean="0">
-                <a:latin typeface="Cambria" pitchFamily="18" charset="0"/>
-              </a:rPr>
-              <a:t> on </a:t>
-            </a:r>
-            <a:r>
-              <a:rPr lang="en-US" dirty="0" smtClean="0">
-                <a:latin typeface="Cambria" pitchFamily="18" charset="0"/>
-              </a:rPr>
-              <a:t>Sublime</a:t>
-            </a:r>
-            <a:endParaRPr lang="en-US" dirty="0" smtClean="0">
-              <a:latin typeface="Cambria" pitchFamily="18" charset="0"/>
-            </a:endParaRPr>
-          </a:p>
-        </p:txBody>
-      </p:sp>
-      <p:sp>
-        <p:nvSpPr>
-          <p:cNvPr id="5" name="Rectangle 3"/>
-          <p:cNvSpPr>
-            <a:spLocks noGrp="1" noChangeArrowheads="1"/>
-          </p:cNvSpPr>
-          <p:nvPr>
-            <p:ph idx="1"/>
-          </p:nvPr>
-        </p:nvSpPr>
-        <p:spPr>
-          <a:xfrm>
-            <a:off x="323850" y="1645919"/>
-            <a:ext cx="8606672" cy="4901185"/>
-          </a:xfrm>
-        </p:spPr>
-        <p:txBody>
-          <a:bodyPr/>
-          <a:lstStyle/>
-          <a:p>
-            <a:pPr>
-              <a:buFont typeface="Arial" pitchFamily="34" charset="0"/>
-              <a:buChar char="•"/>
-            </a:pPr>
-            <a:r>
-              <a:rPr lang="en-US" sz="2200" dirty="0" smtClean="0">
-                <a:latin typeface="Cambria" pitchFamily="18" charset="0"/>
-                <a:hlinkClick r:id="rId3"/>
-              </a:rPr>
-              <a:t>https://sublimegit.net</a:t>
-            </a:r>
-            <a:r>
-              <a:rPr lang="en-US" sz="2200" dirty="0" smtClean="0">
-                <a:latin typeface="Cambria" pitchFamily="18" charset="0"/>
-                <a:hlinkClick r:id="rId3"/>
-              </a:rPr>
-              <a:t>/</a:t>
-            </a:r>
-            <a:endParaRPr lang="en-US" sz="2200" dirty="0" smtClean="0">
-              <a:latin typeface="Cambria" pitchFamily="18" charset="0"/>
-            </a:endParaRPr>
-          </a:p>
-          <a:p>
-            <a:pPr>
-              <a:buFont typeface="Arial" pitchFamily="34" charset="0"/>
-              <a:buChar char="•"/>
-            </a:pPr>
-            <a:r>
-              <a:rPr lang="en-US" sz="2200" dirty="0" smtClean="0">
-                <a:latin typeface="Cambria" pitchFamily="18" charset="0"/>
-              </a:rPr>
-              <a:t>Install via package controls or download</a:t>
-            </a:r>
-            <a:endParaRPr lang="en-US" sz="2200" dirty="0">
-              <a:latin typeface="Cambria" pitchFamily="18" charset="0"/>
-            </a:endParaRPr>
-          </a:p>
-        </p:txBody>
-      </p:sp>
-      <p:pic>
-        <p:nvPicPr>
-          <p:cNvPr id="5124" name="Picture 4" descr="C:\Users\sonvq\Desktop\Screenshot_8.png"/>
-          <p:cNvPicPr>
-            <a:picLocks noChangeAspect="1" noChangeArrowheads="1"/>
-          </p:cNvPicPr>
-          <p:nvPr/>
-        </p:nvPicPr>
-        <p:blipFill>
-          <a:blip r:embed="rId4"/>
-          <a:srcRect/>
-          <a:stretch>
-            <a:fillRect/>
-          </a:stretch>
-        </p:blipFill>
-        <p:spPr bwMode="auto">
-          <a:xfrm>
-            <a:off x="156781" y="2797493"/>
-            <a:ext cx="8792029" cy="3109531"/>
-          </a:xfrm>
-          <a:prstGeom prst="rect">
-            <a:avLst/>
-          </a:prstGeom>
-          <a:noFill/>
-          <a:ln>
-            <a:solidFill>
-              <a:srgbClr val="7030A0"/>
-            </a:solidFill>
-          </a:ln>
-        </p:spPr>
-      </p:pic>
-    </p:spTree>
-    <p:extLst>
-      <p:ext uri="{BB962C8B-B14F-4D97-AF65-F5344CB8AC3E}">
-        <p14:creationId xmlns="" xmlns:p14="http://schemas.microsoft.com/office/powerpoint/2010/main" val="2682096168"/>
-      </p:ext>
-    </p:extLst>
-  </p:cSld>
-  <p:clrMapOvr>
-    <a:masterClrMapping/>
-  </p:clrMapOvr>
-  <mc:AlternateContent xmlns:mc="http://schemas.openxmlformats.org/markup-compatibility/2006">
-    <mc:Choice xmlns="" xmlns:p14="http://schemas.microsoft.com/office/powerpoint/2010/main" Requires="p14">
-      <p:transition p14:dur="100">
-        <p:cut/>
-      </p:transition>
-    </mc:Choice>
-    <mc:Fallback>
-      <p:transition>
-        <p:cut/>
-      </p:transition>
-    </mc:Fallback>
-  </mc:AlternateContent>
-  <p:timing>
-    <p:tnLst>
-      <p:par>
-        <p:cTn id="1" dur="indefinite" restart="never" nodeType="tmRoot"/>
-      </p:par>
-    </p:tnLst>
-  </p:timing>
-</p:sld>
-</file>
-
-<file path=ppt/slides/slide9.xml><?xml version="1.0" encoding="utf-8"?>
-<p:sld xmlns:a="http://schemas.openxmlformats.org/drawingml/2006/main" xmlns:r="http://schemas.openxmlformats.org/officeDocument/2006/relationships" xmlns:p="http://schemas.openxmlformats.org/presentationml/2006/main">
-  <p:cSld>
-    <p:spTree>
-      <p:nvGrpSpPr>
-        <p:cNvPr id="1" name=""/>
-        <p:cNvGrpSpPr/>
-        <p:nvPr/>
-      </p:nvGrpSpPr>
-      <p:grpSpPr>
-        <a:xfrm>
-          <a:off x="0" y="0"/>
-          <a:ext cx="0" cy="0"/>
-          <a:chOff x="0" y="0"/>
-          <a:chExt cx="0" cy="0"/>
-        </a:xfrm>
-      </p:grpSpPr>
-      <p:sp>
-        <p:nvSpPr>
-          <p:cNvPr id="8193" name="Rectangle 2"/>
-          <p:cNvSpPr>
-            <a:spLocks noGrp="1" noChangeArrowheads="1"/>
-          </p:cNvSpPr>
-          <p:nvPr>
-            <p:ph type="title"/>
-          </p:nvPr>
-        </p:nvSpPr>
-        <p:spPr>
-          <a:xfrm>
-            <a:off x="572906" y="665920"/>
-            <a:ext cx="8229600" cy="739014"/>
-          </a:xfrm>
-        </p:spPr>
-        <p:txBody>
-          <a:bodyPr/>
-          <a:lstStyle/>
-          <a:p>
-            <a:r>
-              <a:rPr lang="en-US" dirty="0" err="1" smtClean="0">
-                <a:latin typeface="Cambria" pitchFamily="18" charset="0"/>
-              </a:rPr>
-              <a:t>Git</a:t>
-            </a:r>
-            <a:r>
-              <a:rPr lang="en-US" dirty="0" smtClean="0">
-                <a:latin typeface="Cambria" pitchFamily="18" charset="0"/>
-              </a:rPr>
-              <a:t> on </a:t>
-            </a:r>
-            <a:r>
-              <a:rPr lang="en-US" dirty="0" smtClean="0">
-                <a:latin typeface="Cambria" pitchFamily="18" charset="0"/>
-              </a:rPr>
-              <a:t>Sublime</a:t>
-            </a:r>
-            <a:endParaRPr lang="en-US" dirty="0" smtClean="0">
-              <a:latin typeface="Cambria" pitchFamily="18" charset="0"/>
-            </a:endParaRPr>
-          </a:p>
-        </p:txBody>
-      </p:sp>
-      <p:sp>
-        <p:nvSpPr>
-          <p:cNvPr id="5" name="Rectangle 3"/>
-          <p:cNvSpPr>
-            <a:spLocks noGrp="1" noChangeArrowheads="1"/>
-          </p:cNvSpPr>
-          <p:nvPr>
-            <p:ph idx="1"/>
-          </p:nvPr>
-        </p:nvSpPr>
-        <p:spPr>
-          <a:xfrm>
-            <a:off x="323850" y="1645919"/>
-            <a:ext cx="8606672" cy="4901185"/>
-          </a:xfrm>
-        </p:spPr>
-        <p:txBody>
-          <a:bodyPr/>
-          <a:lstStyle/>
-          <a:p>
-            <a:pPr>
-              <a:buFont typeface="Arial" pitchFamily="34" charset="0"/>
-              <a:buChar char="•"/>
-            </a:pPr>
-            <a:r>
-              <a:rPr lang="en-US" sz="2200" dirty="0" smtClean="0">
-                <a:latin typeface="Cambria" pitchFamily="18" charset="0"/>
-              </a:rPr>
-              <a:t>Quick and Convenience command</a:t>
-            </a:r>
-            <a:endParaRPr lang="en-US" sz="2200" dirty="0">
-              <a:latin typeface="Cambria" pitchFamily="18" charset="0"/>
-            </a:endParaRPr>
-          </a:p>
-        </p:txBody>
-      </p:sp>
-      <p:pic>
-        <p:nvPicPr>
-          <p:cNvPr id="6146" name="Picture 2" descr="C:\Users\sonvq\Desktop\Untitled3.png"/>
-          <p:cNvPicPr>
-            <a:picLocks noChangeAspect="1" noChangeArrowheads="1"/>
-          </p:cNvPicPr>
-          <p:nvPr/>
-        </p:nvPicPr>
-        <p:blipFill>
-          <a:blip r:embed="rId3"/>
-          <a:srcRect/>
-          <a:stretch>
-            <a:fillRect/>
-          </a:stretch>
-        </p:blipFill>
-        <p:spPr bwMode="auto">
-          <a:xfrm>
-            <a:off x="236978" y="2300288"/>
-            <a:ext cx="8583816" cy="2829496"/>
-          </a:xfrm>
-          <a:prstGeom prst="rect">
-            <a:avLst/>
-          </a:prstGeom>
-          <a:noFill/>
-        </p:spPr>
-      </p:pic>
-    </p:spTree>
-    <p:extLst>
-      <p:ext uri="{BB962C8B-B14F-4D97-AF65-F5344CB8AC3E}">
-        <p14:creationId xmlns="" xmlns:p14="http://schemas.microsoft.com/office/powerpoint/2010/main" val="2682096168"/>
-      </p:ext>
-    </p:extLst>
-  </p:cSld>
-  <p:clrMapOvr>
-    <a:masterClrMapping/>
-  </p:clrMapOvr>
-  <mc:AlternateContent xmlns:mc="http://schemas.openxmlformats.org/markup-compatibility/2006">
-    <mc:Choice xmlns="" xmlns:p14="http://schemas.microsoft.com/office/powerpoint/2010/main" Requires="p14">
+    <mc:Choice xmlns:p14="http://schemas.microsoft.com/office/powerpoint/2010/main" xmlns="" Requires="p14">
       <p:transition p14:dur="100">
         <p:cut/>
       </p:transition>
